--- a/汇报.pptx
+++ b/汇报.pptx
@@ -17167,8 +17167,8 @@
         </p:nvSpPr>
         <p:spPr>
           <a:xfrm>
-            <a:off x="808355" y="1100138"/>
-            <a:ext cx="10575290" cy="4225925"/>
+            <a:off x="808355" y="66675"/>
+            <a:ext cx="11188065" cy="6292850"/>
           </a:xfrm>
           <a:prstGeom prst="rect">
             <a:avLst/>
@@ -17180,7 +17180,7 @@
             <a:spAutoFit/>
           </a:bodyPr>
           <a:p>
-            <a:pPr>
+            <a:pPr algn="l">
               <a:lnSpc>
                 <a:spcPct val="120000"/>
               </a:lnSpc>
@@ -17194,7 +17194,7 @@
                   </a:schemeClr>
                 </a:solidFill>
               </a:rPr>
-              <a:t>1</a:t>
+              <a:t>1.  </a:t>
             </a:r>
             <a:r>
               <a:rPr lang="zh-CN" altLang="en-US" sz="2800" dirty="0" smtClean="0">
@@ -17205,7 +17205,7 @@
                   </a:schemeClr>
                 </a:solidFill>
               </a:rPr>
-              <a:t>： 最后会获得两组更相关的难度数据，然后将两组数据中难度数</a:t>
+              <a:t> 然后采用假设检验方法，采取参数检验中的两独立样本t检验方法，</a:t>
             </a:r>
             <a:endParaRPr lang="zh-CN" altLang="en-US" sz="2800" dirty="0" smtClean="0">
               <a:solidFill>
@@ -17217,7 +17217,144 @@
             </a:endParaRPr>
           </a:p>
           <a:p>
-            <a:pPr>
+            <a:pPr algn="l">
+              <a:lnSpc>
+                <a:spcPct val="120000"/>
+              </a:lnSpc>
+            </a:pPr>
+            <a:r>
+              <a:rPr lang="en-US" altLang="zh-CN" sz="2800" dirty="0" smtClean="0">
+                <a:solidFill>
+                  <a:schemeClr val="tx1">
+                    <a:lumMod val="75000"/>
+                    <a:lumOff val="25000"/>
+                  </a:schemeClr>
+                </a:solidFill>
+              </a:rPr>
+              <a:t>	</a:t>
+            </a:r>
+            <a:r>
+              <a:rPr lang="zh-CN" altLang="en-US" sz="2800" dirty="0" smtClean="0">
+                <a:solidFill>
+                  <a:schemeClr val="tx1">
+                    <a:lumMod val="75000"/>
+                    <a:lumOff val="25000"/>
+                  </a:schemeClr>
+                </a:solidFill>
+              </a:rPr>
+              <a:t>检验两组数据的差异性，计算出两组数据的置信区间，最终确定</a:t>
+            </a:r>
+            <a:endParaRPr lang="zh-CN" altLang="en-US" sz="2800" dirty="0" smtClean="0">
+              <a:solidFill>
+                <a:schemeClr val="tx1">
+                  <a:lumMod val="75000"/>
+                  <a:lumOff val="25000"/>
+                </a:schemeClr>
+              </a:solidFill>
+            </a:endParaRPr>
+          </a:p>
+          <a:p>
+            <a:pPr algn="l">
+              <a:lnSpc>
+                <a:spcPct val="120000"/>
+              </a:lnSpc>
+            </a:pPr>
+            <a:r>
+              <a:rPr lang="en-US" altLang="zh-CN" sz="2800" dirty="0" smtClean="0">
+                <a:solidFill>
+                  <a:schemeClr val="tx1">
+                    <a:lumMod val="75000"/>
+                    <a:lumOff val="25000"/>
+                  </a:schemeClr>
+                </a:solidFill>
+              </a:rPr>
+              <a:t>	</a:t>
+            </a:r>
+            <a:r>
+              <a:rPr lang="zh-CN" altLang="en-US" sz="2800" dirty="0" smtClean="0">
+                <a:solidFill>
+                  <a:schemeClr val="tx1">
+                    <a:lumMod val="75000"/>
+                    <a:lumOff val="25000"/>
+                  </a:schemeClr>
+                </a:solidFill>
+              </a:rPr>
+              <a:t>由哪两组数据来决定难度分配</a:t>
+            </a:r>
+            <a:endParaRPr lang="zh-CN" altLang="en-US" sz="2800" dirty="0" smtClean="0">
+              <a:solidFill>
+                <a:schemeClr val="tx1">
+                  <a:lumMod val="75000"/>
+                  <a:lumOff val="25000"/>
+                </a:schemeClr>
+              </a:solidFill>
+            </a:endParaRPr>
+          </a:p>
+          <a:p>
+            <a:pPr algn="l">
+              <a:lnSpc>
+                <a:spcPct val="120000"/>
+              </a:lnSpc>
+            </a:pPr>
+            <a:endParaRPr lang="zh-CN" altLang="en-US" sz="2800" dirty="0" smtClean="0">
+              <a:solidFill>
+                <a:schemeClr val="tx1">
+                  <a:lumMod val="75000"/>
+                  <a:lumOff val="25000"/>
+                </a:schemeClr>
+              </a:solidFill>
+            </a:endParaRPr>
+          </a:p>
+          <a:p>
+            <a:pPr algn="l">
+              <a:lnSpc>
+                <a:spcPct val="120000"/>
+              </a:lnSpc>
+            </a:pPr>
+            <a:r>
+              <a:rPr lang="en-US" altLang="zh-CN" sz="2800" dirty="0" smtClean="0">
+                <a:solidFill>
+                  <a:schemeClr val="tx1">
+                    <a:lumMod val="75000"/>
+                    <a:lumOff val="25000"/>
+                  </a:schemeClr>
+                </a:solidFill>
+              </a:rPr>
+              <a:t>2.  </a:t>
+            </a:r>
+            <a:r>
+              <a:rPr lang="zh-CN" altLang="en-US" sz="2800" dirty="0" smtClean="0">
+                <a:solidFill>
+                  <a:schemeClr val="tx1">
+                    <a:lumMod val="75000"/>
+                    <a:lumOff val="25000"/>
+                  </a:schemeClr>
+                </a:solidFill>
+              </a:rPr>
+              <a:t> </a:t>
+            </a:r>
+            <a:r>
+              <a:rPr lang="zh-CN" altLang="en-US" sz="2800" dirty="0" smtClean="0">
+                <a:solidFill>
+                  <a:schemeClr val="tx1">
+                    <a:lumMod val="75000"/>
+                    <a:lumOff val="25000"/>
+                  </a:schemeClr>
+                </a:solidFill>
+              </a:rPr>
+              <a:t>最后会获得两组更相关的难度数据，然后将两组数据中难度数</a:t>
+            </a:r>
+            <a:endParaRPr lang="zh-CN" altLang="en-US" sz="2800" dirty="0" smtClean="0">
+              <a:solidFill>
+                <a:schemeClr val="tx1">
+                  <a:lumMod val="75000"/>
+                  <a:lumOff val="25000"/>
+                </a:schemeClr>
+              </a:solidFill>
+            </a:endParaRPr>
+          </a:p>
+          <a:p>
+            <a:pPr algn="l">
               <a:lnSpc>
                 <a:spcPct val="120000"/>
               </a:lnSpc>
@@ -17254,7 +17391,7 @@
             </a:endParaRPr>
           </a:p>
           <a:p>
-            <a:pPr>
+            <a:pPr algn="l">
               <a:lnSpc>
                 <a:spcPct val="120000"/>
               </a:lnSpc>
@@ -17269,7 +17406,7 @@
             </a:endParaRPr>
           </a:p>
           <a:p>
-            <a:pPr>
+            <a:pPr algn="l">
               <a:lnSpc>
                 <a:spcPct val="120000"/>
               </a:lnSpc>
@@ -17283,7 +17420,7 @@
                   </a:schemeClr>
                 </a:solidFill>
               </a:rPr>
-              <a:t>2.   </a:t>
+              <a:t>3.   </a:t>
             </a:r>
             <a:r>
               <a:rPr lang="zh-CN" altLang="en-US" sz="2800" dirty="0" smtClean="0">
@@ -17328,7 +17465,7 @@
             </a:endParaRPr>
           </a:p>
           <a:p>
-            <a:pPr>
+            <a:pPr algn="l">
               <a:lnSpc>
                 <a:spcPct val="120000"/>
               </a:lnSpc>
@@ -17376,7 +17513,7 @@
             </a:endParaRPr>
           </a:p>
           <a:p>
-            <a:pPr>
+            <a:pPr algn="l">
               <a:lnSpc>
                 <a:spcPct val="120000"/>
               </a:lnSpc>
@@ -17391,7 +17528,7 @@
             </a:endParaRPr>
           </a:p>
           <a:p>
-            <a:pPr>
+            <a:pPr algn="l">
               <a:lnSpc>
                 <a:spcPct val="120000"/>
               </a:lnSpc>
@@ -17405,7 +17542,7 @@
                   </a:schemeClr>
                 </a:solidFill>
               </a:rPr>
-              <a:t>3.   </a:t>
+              <a:t>4.   </a:t>
             </a:r>
             <a:r>
               <a:rPr lang="zh-CN" altLang="en-US" sz="2800" dirty="0" smtClean="0">
@@ -17439,7 +17576,7 @@
             </a:endParaRPr>
           </a:p>
           <a:p>
-            <a:pPr>
+            <a:pPr algn="l">
               <a:lnSpc>
                 <a:spcPct val="120000"/>
               </a:lnSpc>
